--- a/Documentação/02-User_Storys,Backlog.pptx
+++ b/Documentação/02-User_Storys,Backlog.pptx
@@ -345,7 +345,7 @@
           <a:p>
             <a:fld id="{5A069CB8-F204-4D06-B913-C5A26A89888A}" type="datetimeFigureOut">
               <a:rPr lang="en-US" dirty="0"/>
-              <a:t>9/10/2020</a:t>
+              <a:t>9/26/2020</a:t>
             </a:fld>
             <a:endParaRPr lang="en-US" dirty="0"/>
           </a:p>
@@ -548,7 +548,7 @@
           <a:p>
             <a:fld id="{50B6E300-0A13-4A81-945A-7333C271A069}" type="datetimeFigureOut">
               <a:rPr lang="en-US" dirty="0"/>
-              <a:t>9/10/2020</a:t>
+              <a:t>9/26/2020</a:t>
             </a:fld>
             <a:endParaRPr lang="en-US" dirty="0"/>
           </a:p>
@@ -799,7 +799,7 @@
           <a:p>
             <a:fld id="{34671962-1EA4-46E7-BCB0-F36CE46D1A59}" type="datetimeFigureOut">
               <a:rPr lang="en-US" dirty="0"/>
-              <a:t>9/10/2020</a:t>
+              <a:t>9/26/2020</a:t>
             </a:fld>
             <a:endParaRPr lang="en-US" dirty="0"/>
           </a:p>
@@ -964,7 +964,7 @@
           <a:p>
             <a:fld id="{D30BB376-B19C-488D-ABEB-03C7E6E9E3E0}" type="datetimeFigureOut">
               <a:rPr lang="en-US" dirty="0"/>
-              <a:t>9/10/2020</a:t>
+              <a:t>9/26/2020</a:t>
             </a:fld>
             <a:endParaRPr lang="en-US" dirty="0"/>
           </a:p>
@@ -1302,7 +1302,7 @@
           <a:p>
             <a:fld id="{486F077B-A50F-4D64-8574-E2D6A98A5553}" type="datetimeFigureOut">
               <a:rPr lang="en-US" dirty="0"/>
-              <a:t>9/10/2020</a:t>
+              <a:t>9/26/2020</a:t>
             </a:fld>
             <a:endParaRPr lang="en-US" dirty="0"/>
           </a:p>
@@ -1572,7 +1572,7 @@
           <a:p>
             <a:fld id="{7D9E2A62-1983-43A1-A163-D8AA46534C80}" type="datetimeFigureOut">
               <a:rPr lang="en-US" dirty="0"/>
-              <a:t>9/10/2020</a:t>
+              <a:t>9/26/2020</a:t>
             </a:fld>
             <a:endParaRPr lang="en-US" dirty="0"/>
           </a:p>
@@ -1946,7 +1946,7 @@
           <a:p>
             <a:fld id="{898F3E3B-34E3-4345-B2A1-994B83598A9C}" type="datetimeFigureOut">
               <a:rPr lang="en-US" dirty="0"/>
-              <a:t>9/10/2020</a:t>
+              <a:t>9/26/2020</a:t>
             </a:fld>
             <a:endParaRPr lang="en-US" dirty="0"/>
           </a:p>
@@ -2059,7 +2059,7 @@
           <a:p>
             <a:fld id="{FD816C96-82A1-4D77-8ADA-627AC6FE3D65}" type="datetimeFigureOut">
               <a:rPr lang="en-US" dirty="0"/>
-              <a:t>9/10/2020</a:t>
+              <a:t>9/26/2020</a:t>
             </a:fld>
             <a:endParaRPr lang="en-US" dirty="0"/>
           </a:p>
@@ -2225,7 +2225,7 @@
           <a:p>
             <a:fld id="{1D102C1E-28F2-47E9-802D-339E64E2F920}" type="datetimeFigureOut">
               <a:rPr lang="en-US" dirty="0"/>
-              <a:t>9/10/2020</a:t>
+              <a:t>9/26/2020</a:t>
             </a:fld>
             <a:endParaRPr lang="en-US" dirty="0"/>
           </a:p>
@@ -2575,7 +2575,7 @@
           <a:p>
             <a:fld id="{24271A48-F18A-45B3-BC05-1E27DA3F88AF}" type="datetimeFigureOut">
               <a:rPr lang="en-US" dirty="0"/>
-              <a:t>9/10/2020</a:t>
+              <a:t>9/26/2020</a:t>
             </a:fld>
             <a:endParaRPr lang="en-US" dirty="0"/>
           </a:p>
@@ -2948,7 +2948,7 @@
           <a:p>
             <a:fld id="{65B747F8-9654-4282-85D2-65F41AAE7A75}" type="datetimeFigureOut">
               <a:rPr lang="en-US" dirty="0"/>
-              <a:t>9/10/2020</a:t>
+              <a:t>9/26/2020</a:t>
             </a:fld>
             <a:endParaRPr lang="en-US" dirty="0"/>
           </a:p>
@@ -3230,7 +3230,7 @@
           <a:p>
             <a:fld id="{5DC5B261-8843-42D1-AAFC-05E20E2D9B97}" type="datetimeFigureOut">
               <a:rPr lang="en-US" dirty="0"/>
-              <a:t>9/10/2020</a:t>
+              <a:t>9/26/2020</a:t>
             </a:fld>
             <a:endParaRPr lang="en-US" dirty="0"/>
           </a:p>
@@ -3775,41 +3775,6 @@
             <a:r>
               <a:rPr lang="pt-BR" dirty="0"/>
               <a:t>Projeto Individual</a:t>
-            </a:r>
-          </a:p>
-        </p:txBody>
-      </p:sp>
-      <p:sp>
-        <p:nvSpPr>
-          <p:cNvPr id="3" name="Subtítulo 2">
-            <a:extLst>
-              <a:ext uri="{FF2B5EF4-FFF2-40B4-BE49-F238E27FC236}">
-                <a16:creationId xmlns:a16="http://schemas.microsoft.com/office/drawing/2014/main" id="{2CC470D1-CCDF-4351-9762-B21D964D3464}"/>
-              </a:ext>
-            </a:extLst>
-          </p:cNvPr>
-          <p:cNvSpPr>
-            <a:spLocks noGrp="1"/>
-          </p:cNvSpPr>
-          <p:nvPr>
-            <p:ph type="subTitle" idx="1"/>
-          </p:nvPr>
-        </p:nvSpPr>
-        <p:spPr>
-          <a:xfrm>
-            <a:off x="1100051" y="4455621"/>
-            <a:ext cx="10058400" cy="536509"/>
-          </a:xfrm>
-        </p:spPr>
-        <p:txBody>
-          <a:bodyPr>
-            <a:normAutofit/>
-          </a:bodyPr>
-          <a:lstStyle/>
-          <a:p>
-            <a:r>
-              <a:rPr lang="pt-BR" dirty="0"/>
-              <a:t>Yuri de jesus	01201117</a:t>
             </a:r>
           </a:p>
         </p:txBody>
